--- a/FaceDetection.pptx
+++ b/FaceDetection.pptx
@@ -2665,32 +2665,8 @@
         </p:blipFill>
         <p:spPr>
           <a:xfrm>
-            <a:off x="5638800" y="152400"/>
-            <a:ext cx="3011805" cy="2887980"/>
-          </a:xfrm>
-          <a:prstGeom prst="rect">
-            <a:avLst/>
-          </a:prstGeom>
-        </p:spPr>
-      </p:pic>
-      <p:pic>
-        <p:nvPicPr>
-          <p:cNvPr id="11" name="Picture 10" descr="download"/>
-          <p:cNvPicPr>
-            <a:picLocks noChangeAspect="1"/>
-          </p:cNvPicPr>
-          <p:nvPr/>
-        </p:nvPicPr>
-        <p:blipFill>
-          <a:blip r:embed="rId3"/>
-          <a:stretch>
-            <a:fillRect/>
-          </a:stretch>
-        </p:blipFill>
-        <p:spPr>
-          <a:xfrm>
-            <a:off x="741680" y="1670685"/>
-            <a:ext cx="4405630" cy="4065270"/>
+            <a:off x="445135" y="1561465"/>
+            <a:ext cx="4233545" cy="4669155"/>
           </a:xfrm>
           <a:prstGeom prst="rect">
             <a:avLst/>
@@ -2706,7 +2682,7 @@
           <p:nvPr/>
         </p:nvPicPr>
         <p:blipFill>
-          <a:blip r:embed="rId4"/>
+          <a:blip r:embed="rId3"/>
           <a:stretch>
             <a:fillRect/>
           </a:stretch>
